--- a/HevLib/examples and documentation/equipment/HevLib Equipment and Slot handling.pptx
+++ b/HevLib/examples and documentation/equipment/HevLib Equipment and Slot handling.pptx
@@ -124,7 +124,7 @@
 <file path=ppt/revisionInfo.xml><?xml version="1.0" encoding="utf-8"?>
 <p1510:revInfo xmlns:a="http://schemas.openxmlformats.org/drawingml/2006/main" xmlns:r="http://schemas.openxmlformats.org/officeDocument/2006/relationships" xmlns:p1510="http://schemas.microsoft.com/office/powerpoint/2015/10/main">
   <p1510:revLst>
-    <p1510:client id="{9E212467-FDA6-445C-9971-485D2ABE6995}" v="1466" dt="2025-05-13T17:12:46.872"/>
+    <p1510:client id="{E91C5BB5-6DA1-456F-84B1-55D617CF6DE5}" v="12" dt="2025-05-19T16:57:30.836"/>
   </p1510:revLst>
 </p1510:revInfo>
 </file>
@@ -1287,6 +1287,30 @@
       </pc:sldChg>
     </pc:docChg>
   </pc:docChgLst>
+  <pc:docChgLst>
+    <pc:chgData name="Ben Buckhurst" userId="e27bcf5138034369" providerId="Windows Live" clId="Web-{E91C5BB5-6DA1-456F-84B1-55D617CF6DE5}"/>
+    <pc:docChg chg="modSld">
+      <pc:chgData name="Ben Buckhurst" userId="e27bcf5138034369" providerId="Windows Live" clId="Web-{E91C5BB5-6DA1-456F-84B1-55D617CF6DE5}" dt="2025-05-19T16:57:30.820" v="5" actId="20577"/>
+      <pc:docMkLst>
+        <pc:docMk/>
+      </pc:docMkLst>
+      <pc:sldChg chg="modSp">
+        <pc:chgData name="Ben Buckhurst" userId="e27bcf5138034369" providerId="Windows Live" clId="Web-{E91C5BB5-6DA1-456F-84B1-55D617CF6DE5}" dt="2025-05-19T16:57:30.820" v="5" actId="20577"/>
+        <pc:sldMkLst>
+          <pc:docMk/>
+          <pc:sldMk cId="1280996213" sldId="257"/>
+        </pc:sldMkLst>
+        <pc:spChg chg="mod">
+          <ac:chgData name="Ben Buckhurst" userId="e27bcf5138034369" providerId="Windows Live" clId="Web-{E91C5BB5-6DA1-456F-84B1-55D617CF6DE5}" dt="2025-05-19T16:57:30.820" v="5" actId="20577"/>
+          <ac:spMkLst>
+            <pc:docMk/>
+            <pc:sldMk cId="1280996213" sldId="257"/>
+            <ac:spMk id="5" creationId="{FC7EF46E-C5A7-2F4C-EED3-882AFC4034EB}"/>
+          </ac:spMkLst>
+        </pc:spChg>
+      </pc:sldChg>
+    </pc:docChg>
+  </pc:docChgLst>
 </pc:chgInfo>
 </file>
 
@@ -1439,7 +1463,7 @@
           <a:p>
             <a:fld id="{5F85D8A1-D0F6-4B96-9408-7069CD5FC728}" type="datetimeFigureOut">
               <a:rPr lang="en-GB" smtClean="0"/>
-              <a:t>13/05/2025</a:t>
+              <a:t>19/05/2025</a:t>
             </a:fld>
             <a:endParaRPr lang="en-GB"/>
           </a:p>
@@ -1639,7 +1663,7 @@
           <a:p>
             <a:fld id="{5F85D8A1-D0F6-4B96-9408-7069CD5FC728}" type="datetimeFigureOut">
               <a:rPr lang="en-GB" smtClean="0"/>
-              <a:t>13/05/2025</a:t>
+              <a:t>19/05/2025</a:t>
             </a:fld>
             <a:endParaRPr lang="en-GB"/>
           </a:p>
@@ -1849,7 +1873,7 @@
           <a:p>
             <a:fld id="{5F85D8A1-D0F6-4B96-9408-7069CD5FC728}" type="datetimeFigureOut">
               <a:rPr lang="en-GB" smtClean="0"/>
-              <a:t>13/05/2025</a:t>
+              <a:t>19/05/2025</a:t>
             </a:fld>
             <a:endParaRPr lang="en-GB"/>
           </a:p>
@@ -2049,7 +2073,7 @@
           <a:p>
             <a:fld id="{5F85D8A1-D0F6-4B96-9408-7069CD5FC728}" type="datetimeFigureOut">
               <a:rPr lang="en-GB" smtClean="0"/>
-              <a:t>13/05/2025</a:t>
+              <a:t>19/05/2025</a:t>
             </a:fld>
             <a:endParaRPr lang="en-GB"/>
           </a:p>
@@ -2325,7 +2349,7 @@
           <a:p>
             <a:fld id="{5F85D8A1-D0F6-4B96-9408-7069CD5FC728}" type="datetimeFigureOut">
               <a:rPr lang="en-GB" smtClean="0"/>
-              <a:t>13/05/2025</a:t>
+              <a:t>19/05/2025</a:t>
             </a:fld>
             <a:endParaRPr lang="en-GB"/>
           </a:p>
@@ -2593,7 +2617,7 @@
           <a:p>
             <a:fld id="{5F85D8A1-D0F6-4B96-9408-7069CD5FC728}" type="datetimeFigureOut">
               <a:rPr lang="en-GB" smtClean="0"/>
-              <a:t>13/05/2025</a:t>
+              <a:t>19/05/2025</a:t>
             </a:fld>
             <a:endParaRPr lang="en-GB"/>
           </a:p>
@@ -3008,7 +3032,7 @@
           <a:p>
             <a:fld id="{5F85D8A1-D0F6-4B96-9408-7069CD5FC728}" type="datetimeFigureOut">
               <a:rPr lang="en-GB" smtClean="0"/>
-              <a:t>13/05/2025</a:t>
+              <a:t>19/05/2025</a:t>
             </a:fld>
             <a:endParaRPr lang="en-GB"/>
           </a:p>
@@ -3150,7 +3174,7 @@
           <a:p>
             <a:fld id="{5F85D8A1-D0F6-4B96-9408-7069CD5FC728}" type="datetimeFigureOut">
               <a:rPr lang="en-GB" smtClean="0"/>
-              <a:t>13/05/2025</a:t>
+              <a:t>19/05/2025</a:t>
             </a:fld>
             <a:endParaRPr lang="en-GB"/>
           </a:p>
@@ -3263,7 +3287,7 @@
           <a:p>
             <a:fld id="{5F85D8A1-D0F6-4B96-9408-7069CD5FC728}" type="datetimeFigureOut">
               <a:rPr lang="en-GB" smtClean="0"/>
-              <a:t>13/05/2025</a:t>
+              <a:t>19/05/2025</a:t>
             </a:fld>
             <a:endParaRPr lang="en-GB"/>
           </a:p>
@@ -3576,7 +3600,7 @@
           <a:p>
             <a:fld id="{5F85D8A1-D0F6-4B96-9408-7069CD5FC728}" type="datetimeFigureOut">
               <a:rPr lang="en-GB" smtClean="0"/>
-              <a:t>13/05/2025</a:t>
+              <a:t>19/05/2025</a:t>
             </a:fld>
             <a:endParaRPr lang="en-GB"/>
           </a:p>
@@ -3865,7 +3889,7 @@
           <a:p>
             <a:fld id="{5F85D8A1-D0F6-4B96-9408-7069CD5FC728}" type="datetimeFigureOut">
               <a:rPr lang="en-GB" smtClean="0"/>
-              <a:t>13/05/2025</a:t>
+              <a:t>19/05/2025</a:t>
             </a:fld>
             <a:endParaRPr lang="en-GB"/>
           </a:p>
@@ -4108,7 +4132,7 @@
           <a:p>
             <a:fld id="{5F85D8A1-D0F6-4B96-9408-7069CD5FC728}" type="datetimeFigureOut">
               <a:rPr lang="en-GB" smtClean="0"/>
-              <a:t>13/05/2025</a:t>
+              <a:t>19/05/2025</a:t>
             </a:fld>
             <a:endParaRPr lang="en-GB"/>
           </a:p>
@@ -6944,7 +6968,7 @@
           <a:noFill/>
         </p:spPr>
         <p:txBody>
-          <a:bodyPr wrap="none" rtlCol="0">
+          <a:bodyPr wrap="none" lIns="91440" tIns="45720" rIns="91440" bIns="45720" rtlCol="0" anchor="t">
             <a:spAutoFit/>
           </a:bodyPr>
           <a:lstStyle/>
@@ -7405,7 +7429,10 @@
             </a:r>
           </a:p>
           <a:p>
-            <a:endParaRPr lang="en-GB" sz="1200" dirty="0"/>
+            <a:endParaRPr lang="en-GB" sz="600" dirty="0">
+              <a:ea typeface="Calibri"/>
+              <a:cs typeface="Calibri"/>
+            </a:endParaRPr>
           </a:p>
           <a:p>
             <a:r>
